--- a/CLASS 5/MVVM and Data Binding.pptx
+++ b/CLASS 5/MVVM and Data Binding.pptx
@@ -11266,10 +11266,10 @@
               <a:buNone/>
             </a:pPr>
             <a:r>
-              <a:rPr lang="en-US"/>
+              <a:rPr lang="en-US" dirty="0"/>
               <a:t>With MVVM</a:t>
             </a:r>
-            <a:endParaRPr/>
+            <a:endParaRPr dirty="0"/>
           </a:p>
         </p:txBody>
       </p:sp>
@@ -11361,10 +11361,10 @@
               <a:buNone/>
             </a:pPr>
             <a:r>
-              <a:rPr lang="en-US"/>
+              <a:rPr lang="en-US" dirty="0"/>
               <a:t>Pros and cons of using MVVM</a:t>
             </a:r>
-            <a:endParaRPr/>
+            <a:endParaRPr dirty="0"/>
           </a:p>
         </p:txBody>
       </p:sp>
@@ -11414,14 +11414,30 @@
               <a:buNone/>
             </a:pPr>
             <a:r>
-              <a:rPr lang="en-US">
+              <a:rPr lang="en-US" dirty="0">
                 <a:solidFill>
                   <a:srgbClr val="6AA84F"/>
                 </a:solidFill>
               </a:rPr>
-              <a:t>clear separation of the ui and the business logic</a:t>
+              <a:t>clear separation of the </a:t>
             </a:r>
-            <a:endParaRPr>
+            <a:r>
+              <a:rPr lang="en-US" dirty="0" err="1">
+                <a:solidFill>
+                  <a:srgbClr val="6AA84F"/>
+                </a:solidFill>
+              </a:rPr>
+              <a:t>ui</a:t>
+            </a:r>
+            <a:r>
+              <a:rPr lang="en-US" dirty="0">
+                <a:solidFill>
+                  <a:srgbClr val="6AA84F"/>
+                </a:solidFill>
+              </a:rPr>
+              <a:t> and the business logic</a:t>
+            </a:r>
+            <a:endParaRPr dirty="0">
               <a:solidFill>
                 <a:srgbClr val="6AA84F"/>
               </a:solidFill>
@@ -11445,14 +11461,14 @@
               <a:buNone/>
             </a:pPr>
             <a:r>
-              <a:rPr lang="en-US">
+              <a:rPr lang="en-US" dirty="0">
                 <a:solidFill>
                   <a:srgbClr val="6AA84F"/>
                 </a:solidFill>
               </a:rPr>
               <a:t>easier to maintain and write tests for</a:t>
             </a:r>
-            <a:endParaRPr>
+            <a:endParaRPr dirty="0">
               <a:solidFill>
                 <a:srgbClr val="6AA84F"/>
               </a:solidFill>
@@ -11476,14 +11492,14 @@
               <a:buNone/>
             </a:pPr>
             <a:r>
-              <a:rPr lang="en-US">
+              <a:rPr lang="en-US" dirty="0">
                 <a:solidFill>
                   <a:srgbClr val="6AA84F"/>
                 </a:solidFill>
               </a:rPr>
               <a:t>the app can be redesigned if all UI is XAML</a:t>
             </a:r>
-            <a:endParaRPr>
+            <a:endParaRPr dirty="0">
               <a:solidFill>
                 <a:srgbClr val="6AA84F"/>
               </a:solidFill>
@@ -11507,14 +11523,14 @@
               <a:buNone/>
             </a:pPr>
             <a:r>
-              <a:rPr lang="en-US">
+              <a:rPr lang="en-US" dirty="0">
                 <a:solidFill>
                   <a:srgbClr val="6AA84F"/>
                 </a:solidFill>
               </a:rPr>
               <a:t>designers and developers can work in parallel</a:t>
             </a:r>
-            <a:endParaRPr>
+            <a:endParaRPr dirty="0">
               <a:solidFill>
                 <a:srgbClr val="6AA84F"/>
               </a:solidFill>
@@ -11564,41 +11580,14 @@
               <a:buNone/>
             </a:pPr>
             <a:r>
-              <a:rPr lang="en-US">
+              <a:rPr lang="en-US" dirty="0">
                 <a:solidFill>
                   <a:srgbClr val="E06666"/>
                 </a:solidFill>
               </a:rPr>
-              <a:t>adds complexity and more code writing</a:t>
+              <a:t>adds complexity and more code writing ?</a:t>
             </a:r>
-            <a:endParaRPr>
-              <a:solidFill>
-                <a:srgbClr val="E06666"/>
-              </a:solidFill>
-            </a:endParaRPr>
-          </a:p>
-          <a:p>
-            <a:pPr marL="0" lvl="0" indent="0" algn="l" rtl="0">
-              <a:lnSpc>
-                <a:spcPct val="100000"/>
-              </a:lnSpc>
-              <a:spcBef>
-                <a:spcPts val="0"/>
-              </a:spcBef>
-              <a:spcAft>
-                <a:spcPts val="0"/>
-              </a:spcAft>
-              <a:buNone/>
-            </a:pPr>
-            <a:r>
-              <a:rPr lang="en-US">
-                <a:solidFill>
-                  <a:srgbClr val="E06666"/>
-                </a:solidFill>
-              </a:rPr>
-              <a:t>might not be overkill for simple projects</a:t>
-            </a:r>
-            <a:endParaRPr>
+            <a:endParaRPr dirty="0">
               <a:solidFill>
                 <a:srgbClr val="E06666"/>
               </a:solidFill>
